--- a/tcs-expt-task.pptx
+++ b/tcs-expt-task.pptx
@@ -9906,7 +9906,7 @@
                           <a:latin typeface="メイリオ" panose="020B0604030504040204" pitchFamily="50" charset="-128"/>
                           <a:ea typeface="メイリオ" panose="020B0604030504040204" pitchFamily="50" charset="-128"/>
                         </a:rPr>
-                        <a:t>returnR</a:t>
+                        <a:t>Midum</a:t>
                       </a:r>
                       <a:endParaRPr kumimoji="1" lang="ja-JP" altLang="en-US" sz="1500" dirty="0">
                         <a:latin typeface="メイリオ" panose="020B0604030504040204" pitchFamily="50" charset="-128"/>
@@ -9941,7 +9941,7 @@
                           <a:latin typeface="メイリオ" panose="020B0604030504040204" pitchFamily="50" charset="-128"/>
                           <a:ea typeface="メイリオ" panose="020B0604030504040204" pitchFamily="50" charset="-128"/>
                         </a:rPr>
-                        <a:t>returnR</a:t>
+                        <a:t>Midum</a:t>
                       </a:r>
                       <a:endParaRPr kumimoji="1" lang="ja-JP" altLang="en-US" sz="1500" dirty="0">
                         <a:latin typeface="メイリオ" panose="020B0604030504040204" pitchFamily="50" charset="-128"/>
@@ -10060,6 +10060,260 @@
                           <a:latin typeface="メイリオ" panose="020B0604030504040204" pitchFamily="50" charset="-128"/>
                           <a:ea typeface="メイリオ" panose="020B0604030504040204" pitchFamily="50" charset="-128"/>
                         </a:rPr>
+                        <a:t>Midum</a:t>
+                      </a:r>
+                      <a:endParaRPr kumimoji="1" lang="ja-JP" altLang="en-US" sz="1500" dirty="0">
+                        <a:latin typeface="メイリオ" panose="020B0604030504040204" pitchFamily="50" charset="-128"/>
+                        <a:ea typeface="メイリオ" panose="020B0604030504040204" pitchFamily="50" charset="-128"/>
+                      </a:endParaRPr>
+                    </a:p>
+                  </a:txBody>
+                  <a:tcPr/>
+                </a:tc>
+                <a:tc>
+                  <a:txBody>
+                    <a:bodyPr/>
+                    <a:lstStyle/>
+                    <a:p>
+                      <a:pPr algn="ctr"/>
+                      <a:endParaRPr kumimoji="1" lang="ja-JP" altLang="en-US" dirty="0">
+                        <a:latin typeface="メイリオ" panose="020B0604030504040204" pitchFamily="50" charset="-128"/>
+                        <a:ea typeface="メイリオ" panose="020B0604030504040204" pitchFamily="50" charset="-128"/>
+                      </a:endParaRPr>
+                    </a:p>
+                  </a:txBody>
+                  <a:tcPr/>
+                </a:tc>
+                <a:tc>
+                  <a:txBody>
+                    <a:bodyPr/>
+                    <a:lstStyle/>
+                    <a:p>
+                      <a:pPr algn="ctr"/>
+                      <a:r>
+                        <a:rPr kumimoji="1" lang="en-US" altLang="ja-JP" sz="1500" dirty="0" err="1" smtClean="0">
+                          <a:latin typeface="メイリオ" panose="020B0604030504040204" pitchFamily="50" charset="-128"/>
+                          <a:ea typeface="メイリオ" panose="020B0604030504040204" pitchFamily="50" charset="-128"/>
+                        </a:rPr>
+                        <a:t>Midum</a:t>
+                      </a:r>
+                      <a:endParaRPr kumimoji="1" lang="ja-JP" altLang="en-US" sz="1500" dirty="0">
+                        <a:latin typeface="メイリオ" panose="020B0604030504040204" pitchFamily="50" charset="-128"/>
+                        <a:ea typeface="メイリオ" panose="020B0604030504040204" pitchFamily="50" charset="-128"/>
+                      </a:endParaRPr>
+                    </a:p>
+                  </a:txBody>
+                  <a:tcPr/>
+                </a:tc>
+                <a:tc>
+                  <a:txBody>
+                    <a:bodyPr/>
+                    <a:lstStyle/>
+                    <a:p>
+                      <a:pPr algn="ctr"/>
+                      <a:r>
+                        <a:rPr kumimoji="1" lang="ja-JP" altLang="en-US" dirty="0" smtClean="0">
+                          <a:latin typeface="メイリオ" panose="020B0604030504040204" pitchFamily="50" charset="-128"/>
+                          <a:ea typeface="メイリオ" panose="020B0604030504040204" pitchFamily="50" charset="-128"/>
+                        </a:rPr>
+                        <a:t>〇</a:t>
+                      </a:r>
+                      <a:endParaRPr kumimoji="1" lang="ja-JP" altLang="en-US" dirty="0">
+                        <a:latin typeface="メイリオ" panose="020B0604030504040204" pitchFamily="50" charset="-128"/>
+                        <a:ea typeface="メイリオ" panose="020B0604030504040204" pitchFamily="50" charset="-128"/>
+                      </a:endParaRPr>
+                    </a:p>
+                  </a:txBody>
+                  <a:tcPr/>
+                </a:tc>
+                <a:tc>
+                  <a:txBody>
+                    <a:bodyPr/>
+                    <a:lstStyle/>
+                    <a:p>
+                      <a:pPr algn="ctr"/>
+                      <a:r>
+                        <a:rPr kumimoji="1" lang="en-US" altLang="ja-JP" sz="1500" dirty="0" err="1" smtClean="0">
+                          <a:latin typeface="メイリオ" panose="020B0604030504040204" pitchFamily="50" charset="-128"/>
+                          <a:ea typeface="メイリオ" panose="020B0604030504040204" pitchFamily="50" charset="-128"/>
+                        </a:rPr>
+                        <a:t>Midum</a:t>
+                      </a:r>
+                      <a:endParaRPr kumimoji="1" lang="ja-JP" altLang="en-US" sz="1500" dirty="0">
+                        <a:latin typeface="メイリオ" panose="020B0604030504040204" pitchFamily="50" charset="-128"/>
+                        <a:ea typeface="メイリオ" panose="020B0604030504040204" pitchFamily="50" charset="-128"/>
+                      </a:endParaRPr>
+                    </a:p>
+                  </a:txBody>
+                  <a:tcPr/>
+                </a:tc>
+                <a:tc>
+                  <a:txBody>
+                    <a:bodyPr/>
+                    <a:lstStyle/>
+                    <a:p>
+                      <a:pPr algn="ctr"/>
+                      <a:r>
+                        <a:rPr kumimoji="1" lang="ja-JP" altLang="en-US" dirty="0" smtClean="0">
+                          <a:latin typeface="メイリオ" panose="020B0604030504040204" pitchFamily="50" charset="-128"/>
+                          <a:ea typeface="メイリオ" panose="020B0604030504040204" pitchFamily="50" charset="-128"/>
+                        </a:rPr>
+                        <a:t>〇</a:t>
+                      </a:r>
+                      <a:endParaRPr kumimoji="1" lang="ja-JP" altLang="en-US" dirty="0">
+                        <a:latin typeface="メイリオ" panose="020B0604030504040204" pitchFamily="50" charset="-128"/>
+                        <a:ea typeface="メイリオ" panose="020B0604030504040204" pitchFamily="50" charset="-128"/>
+                      </a:endParaRPr>
+                    </a:p>
+                  </a:txBody>
+                  <a:tcPr/>
+                </a:tc>
+                <a:tc>
+                  <a:txBody>
+                    <a:bodyPr/>
+                    <a:lstStyle/>
+                    <a:p>
+                      <a:pPr algn="ctr"/>
+                      <a:r>
+                        <a:rPr kumimoji="1" lang="en-US" altLang="ja-JP" sz="1500" dirty="0" err="1" smtClean="0">
+                          <a:latin typeface="メイリオ" panose="020B0604030504040204" pitchFamily="50" charset="-128"/>
+                          <a:ea typeface="メイリオ" panose="020B0604030504040204" pitchFamily="50" charset="-128"/>
+                        </a:rPr>
+                        <a:t>Midum</a:t>
+                      </a:r>
+                      <a:endParaRPr kumimoji="1" lang="ja-JP" altLang="en-US" sz="1500" dirty="0">
+                        <a:latin typeface="メイリオ" panose="020B0604030504040204" pitchFamily="50" charset="-128"/>
+                        <a:ea typeface="メイリオ" panose="020B0604030504040204" pitchFamily="50" charset="-128"/>
+                      </a:endParaRPr>
+                    </a:p>
+                  </a:txBody>
+                  <a:tcPr/>
+                </a:tc>
+                <a:tc>
+                  <a:txBody>
+                    <a:bodyPr/>
+                    <a:lstStyle/>
+                    <a:p>
+                      <a:pPr algn="ctr"/>
+                      <a:endParaRPr kumimoji="1" lang="ja-JP" altLang="en-US" dirty="0">
+                        <a:latin typeface="メイリオ" panose="020B0604030504040204" pitchFamily="50" charset="-128"/>
+                        <a:ea typeface="メイリオ" panose="020B0604030504040204" pitchFamily="50" charset="-128"/>
+                      </a:endParaRPr>
+                    </a:p>
+                  </a:txBody>
+                  <a:tcPr/>
+                </a:tc>
+                <a:extLst>
+                  <a:ext uri="{0D108BD9-81ED-4DB2-BD59-A6C34878D82A}">
+                    <a16:rowId xmlns:a16="http://schemas.microsoft.com/office/drawing/2014/main" val="71211332"/>
+                  </a:ext>
+                </a:extLst>
+              </a:tr>
+              <a:tr h="658334">
+                <a:tc>
+                  <a:txBody>
+                    <a:bodyPr/>
+                    <a:lstStyle/>
+                    <a:p>
+                      <a:pPr algn="ctr"/>
+                      <a:r>
+                        <a:rPr kumimoji="1" lang="en-US" altLang="ja-JP" dirty="0" smtClean="0">
+                          <a:latin typeface="メイリオ" panose="020B0604030504040204" pitchFamily="50" charset="-128"/>
+                          <a:ea typeface="メイリオ" panose="020B0604030504040204" pitchFamily="50" charset="-128"/>
+                        </a:rPr>
+                        <a:t>2</a:t>
+                      </a:r>
+                      <a:r>
+                        <a:rPr kumimoji="1" lang="ja-JP" altLang="en-US" dirty="0" smtClean="0">
+                          <a:latin typeface="メイリオ" panose="020B0604030504040204" pitchFamily="50" charset="-128"/>
+                          <a:ea typeface="メイリオ" panose="020B0604030504040204" pitchFamily="50" charset="-128"/>
+                        </a:rPr>
+                        <a:t>回目</a:t>
+                      </a:r>
+                      <a:endParaRPr kumimoji="1" lang="ja-JP" altLang="en-US" dirty="0">
+                        <a:latin typeface="メイリオ" panose="020B0604030504040204" pitchFamily="50" charset="-128"/>
+                        <a:ea typeface="メイリオ" panose="020B0604030504040204" pitchFamily="50" charset="-128"/>
+                      </a:endParaRPr>
+                    </a:p>
+                  </a:txBody>
+                  <a:tcPr/>
+                </a:tc>
+                <a:tc>
+                  <a:txBody>
+                    <a:bodyPr/>
+                    <a:lstStyle/>
+                    <a:p>
+                      <a:pPr marL="0" marR="0" indent="0" algn="ctr" defTabSz="914400" rtl="0" eaLnBrk="1" fontAlgn="auto" latinLnBrk="0" hangingPunct="1">
+                        <a:lnSpc>
+                          <a:spcPct val="100000"/>
+                        </a:lnSpc>
+                        <a:spcBef>
+                          <a:spcPts val="0"/>
+                        </a:spcBef>
+                        <a:spcAft>
+                          <a:spcPts val="0"/>
+                        </a:spcAft>
+                        <a:buClrTx/>
+                        <a:buSzTx/>
+                        <a:buFontTx/>
+                        <a:buNone/>
+                        <a:tabLst/>
+                        <a:defRPr/>
+                      </a:pPr>
+                      <a:r>
+                        <a:rPr kumimoji="1" lang="en-US" altLang="ja-JP" sz="1500" dirty="0" err="1" smtClean="0">
+                          <a:latin typeface="メイリオ" panose="020B0604030504040204" pitchFamily="50" charset="-128"/>
+                          <a:ea typeface="メイリオ" panose="020B0604030504040204" pitchFamily="50" charset="-128"/>
+                        </a:rPr>
+                        <a:t>fizzBuzz</a:t>
+                      </a:r>
+                      <a:endParaRPr kumimoji="1" lang="ja-JP" altLang="en-US" sz="1500" dirty="0" smtClean="0">
+                        <a:latin typeface="メイリオ" panose="020B0604030504040204" pitchFamily="50" charset="-128"/>
+                        <a:ea typeface="メイリオ" panose="020B0604030504040204" pitchFamily="50" charset="-128"/>
+                      </a:endParaRPr>
+                    </a:p>
+                    <a:p>
+                      <a:pPr algn="ctr"/>
+                      <a:endParaRPr kumimoji="1" lang="ja-JP" altLang="en-US" sz="1500" dirty="0">
+                        <a:latin typeface="メイリオ" panose="020B0604030504040204" pitchFamily="50" charset="-128"/>
+                        <a:ea typeface="メイリオ" panose="020B0604030504040204" pitchFamily="50" charset="-128"/>
+                      </a:endParaRPr>
+                    </a:p>
+                  </a:txBody>
+                  <a:tcPr/>
+                </a:tc>
+                <a:tc>
+                  <a:txBody>
+                    <a:bodyPr/>
+                    <a:lstStyle/>
+                    <a:p>
+                      <a:pPr algn="ctr"/>
+                      <a:r>
+                        <a:rPr kumimoji="1" lang="ja-JP" altLang="en-US" dirty="0" smtClean="0">
+                          <a:latin typeface="メイリオ" panose="020B0604030504040204" pitchFamily="50" charset="-128"/>
+                          <a:ea typeface="メイリオ" panose="020B0604030504040204" pitchFamily="50" charset="-128"/>
+                        </a:rPr>
+                        <a:t>〇</a:t>
+                      </a:r>
+                      <a:endParaRPr kumimoji="1" lang="ja-JP" altLang="en-US" dirty="0">
+                        <a:latin typeface="メイリオ" panose="020B0604030504040204" pitchFamily="50" charset="-128"/>
+                        <a:ea typeface="メイリオ" panose="020B0604030504040204" pitchFamily="50" charset="-128"/>
+                      </a:endParaRPr>
+                    </a:p>
+                  </a:txBody>
+                  <a:tcPr/>
+                </a:tc>
+                <a:tc>
+                  <a:txBody>
+                    <a:bodyPr/>
+                    <a:lstStyle/>
+                    <a:p>
+                      <a:pPr algn="ctr"/>
+                      <a:r>
+                        <a:rPr kumimoji="1" lang="en-US" altLang="ja-JP" sz="1500" dirty="0" err="1" smtClean="0">
+                          <a:latin typeface="メイリオ" panose="020B0604030504040204" pitchFamily="50" charset="-128"/>
+                          <a:ea typeface="メイリオ" panose="020B0604030504040204" pitchFamily="50" charset="-128"/>
+                        </a:rPr>
                         <a:t>fizzBuzz</a:t>
                       </a:r>
                       <a:endParaRPr kumimoji="1" lang="ja-JP" altLang="en-US" sz="1500" dirty="0">
@@ -10137,49 +10391,7 @@
                           <a:latin typeface="メイリオ" panose="020B0604030504040204" pitchFamily="50" charset="-128"/>
                           <a:ea typeface="メイリオ" panose="020B0604030504040204" pitchFamily="50" charset="-128"/>
                         </a:rPr>
-                        <a:t>returnR</a:t>
-                      </a:r>
-                      <a:endParaRPr kumimoji="1" lang="ja-JP" altLang="en-US" sz="1500" dirty="0">
-                        <a:latin typeface="メイリオ" panose="020B0604030504040204" pitchFamily="50" charset="-128"/>
-                        <a:ea typeface="メイリオ" panose="020B0604030504040204" pitchFamily="50" charset="-128"/>
-                      </a:endParaRPr>
-                    </a:p>
-                  </a:txBody>
-                  <a:tcPr/>
-                </a:tc>
-                <a:tc>
-                  <a:txBody>
-                    <a:bodyPr/>
-                    <a:lstStyle/>
-                    <a:p>
-                      <a:pPr algn="ctr"/>
-                      <a:r>
-                        <a:rPr kumimoji="1" lang="ja-JP" altLang="en-US" dirty="0" smtClean="0">
-                          <a:latin typeface="メイリオ" panose="020B0604030504040204" pitchFamily="50" charset="-128"/>
-                          <a:ea typeface="メイリオ" panose="020B0604030504040204" pitchFamily="50" charset="-128"/>
-                        </a:rPr>
-                        <a:t>〇</a:t>
-                      </a:r>
-                      <a:endParaRPr kumimoji="1" lang="ja-JP" altLang="en-US" dirty="0">
-                        <a:latin typeface="メイリオ" panose="020B0604030504040204" pitchFamily="50" charset="-128"/>
-                        <a:ea typeface="メイリオ" panose="020B0604030504040204" pitchFamily="50" charset="-128"/>
-                      </a:endParaRPr>
-                    </a:p>
-                  </a:txBody>
-                  <a:tcPr/>
-                </a:tc>
-                <a:tc>
-                  <a:txBody>
-                    <a:bodyPr/>
-                    <a:lstStyle/>
-                    <a:p>
-                      <a:pPr algn="ctr"/>
-                      <a:r>
-                        <a:rPr kumimoji="1" lang="en-US" altLang="ja-JP" sz="1500" dirty="0" err="1" smtClean="0">
-                          <a:latin typeface="メイリオ" panose="020B0604030504040204" pitchFamily="50" charset="-128"/>
-                          <a:ea typeface="メイリオ" panose="020B0604030504040204" pitchFamily="50" charset="-128"/>
-                        </a:rPr>
-                        <a:t>returnR</a:t>
+                        <a:t>fizzBuzz</a:t>
                       </a:r>
                       <a:endParaRPr kumimoji="1" lang="ja-JP" altLang="en-US" sz="1500" dirty="0">
                         <a:latin typeface="メイリオ" panose="020B0604030504040204" pitchFamily="50" charset="-128"/>
@@ -10203,41 +10415,6 @@
                   </a:txBody>
                   <a:tcPr/>
                 </a:tc>
-                <a:extLst>
-                  <a:ext uri="{0D108BD9-81ED-4DB2-BD59-A6C34878D82A}">
-                    <a16:rowId xmlns:a16="http://schemas.microsoft.com/office/drawing/2014/main" val="71211332"/>
-                  </a:ext>
-                </a:extLst>
-              </a:tr>
-              <a:tr h="658334">
-                <a:tc>
-                  <a:txBody>
-                    <a:bodyPr/>
-                    <a:lstStyle/>
-                    <a:p>
-                      <a:pPr algn="ctr"/>
-                      <a:r>
-                        <a:rPr kumimoji="1" lang="en-US" altLang="ja-JP" dirty="0" smtClean="0">
-                          <a:latin typeface="メイリオ" panose="020B0604030504040204" pitchFamily="50" charset="-128"/>
-                          <a:ea typeface="メイリオ" panose="020B0604030504040204" pitchFamily="50" charset="-128"/>
-                        </a:rPr>
-                        <a:t>2</a:t>
-                      </a:r>
-                      <a:r>
-                        <a:rPr kumimoji="1" lang="ja-JP" altLang="en-US" dirty="0" smtClean="0">
-                          <a:latin typeface="メイリオ" panose="020B0604030504040204" pitchFamily="50" charset="-128"/>
-                          <a:ea typeface="メイリオ" panose="020B0604030504040204" pitchFamily="50" charset="-128"/>
-                        </a:rPr>
-                        <a:t>回目</a:t>
-                      </a:r>
-                      <a:endParaRPr kumimoji="1" lang="ja-JP" altLang="en-US" dirty="0">
-                        <a:latin typeface="メイリオ" panose="020B0604030504040204" pitchFamily="50" charset="-128"/>
-                        <a:ea typeface="メイリオ" panose="020B0604030504040204" pitchFamily="50" charset="-128"/>
-                      </a:endParaRPr>
-                    </a:p>
-                  </a:txBody>
-                  <a:tcPr/>
-                </a:tc>
                 <a:tc>
                   <a:txBody>
                     <a:bodyPr/>
@@ -10249,7 +10426,7 @@
                           <a:latin typeface="メイリオ" panose="020B0604030504040204" pitchFamily="50" charset="-128"/>
                           <a:ea typeface="メイリオ" panose="020B0604030504040204" pitchFamily="50" charset="-128"/>
                         </a:rPr>
-                        <a:t>Midum</a:t>
+                        <a:t>fizzBuzz</a:t>
                       </a:r>
                       <a:endParaRPr kumimoji="1" lang="ja-JP" altLang="en-US" sz="1500" dirty="0">
                         <a:latin typeface="メイリオ" panose="020B0604030504040204" pitchFamily="50" charset="-128"/>
@@ -10326,161 +10503,7 @@
                           <a:latin typeface="メイリオ" panose="020B0604030504040204" pitchFamily="50" charset="-128"/>
                           <a:ea typeface="メイリオ" panose="020B0604030504040204" pitchFamily="50" charset="-128"/>
                         </a:rPr>
-                        <a:t>returnR</a:t>
-                      </a:r>
-                      <a:endParaRPr kumimoji="1" lang="ja-JP" altLang="en-US" sz="1500" dirty="0">
-                        <a:latin typeface="メイリオ" panose="020B0604030504040204" pitchFamily="50" charset="-128"/>
-                        <a:ea typeface="メイリオ" panose="020B0604030504040204" pitchFamily="50" charset="-128"/>
-                      </a:endParaRPr>
-                    </a:p>
-                  </a:txBody>
-                  <a:tcPr/>
-                </a:tc>
-                <a:tc>
-                  <a:txBody>
-                    <a:bodyPr/>
-                    <a:lstStyle/>
-                    <a:p>
-                      <a:pPr algn="ctr"/>
-                      <a:r>
-                        <a:rPr kumimoji="1" lang="ja-JP" altLang="en-US" dirty="0" smtClean="0">
-                          <a:latin typeface="メイリオ" panose="020B0604030504040204" pitchFamily="50" charset="-128"/>
-                          <a:ea typeface="メイリオ" panose="020B0604030504040204" pitchFamily="50" charset="-128"/>
-                        </a:rPr>
-                        <a:t>〇</a:t>
-                      </a:r>
-                      <a:endParaRPr kumimoji="1" lang="ja-JP" altLang="en-US" dirty="0">
-                        <a:latin typeface="メイリオ" panose="020B0604030504040204" pitchFamily="50" charset="-128"/>
-                        <a:ea typeface="メイリオ" panose="020B0604030504040204" pitchFamily="50" charset="-128"/>
-                      </a:endParaRPr>
-                    </a:p>
-                  </a:txBody>
-                  <a:tcPr/>
-                </a:tc>
-                <a:tc>
-                  <a:txBody>
-                    <a:bodyPr/>
-                    <a:lstStyle/>
-                    <a:p>
-                      <a:pPr algn="ctr"/>
-                      <a:r>
-                        <a:rPr kumimoji="1" lang="en-US" altLang="ja-JP" sz="1500" dirty="0" err="1" smtClean="0">
-                          <a:latin typeface="メイリオ" panose="020B0604030504040204" pitchFamily="50" charset="-128"/>
-                          <a:ea typeface="メイリオ" panose="020B0604030504040204" pitchFamily="50" charset="-128"/>
-                        </a:rPr>
                         <a:t>fizzBuzz</a:t>
-                      </a:r>
-                      <a:endParaRPr kumimoji="1" lang="ja-JP" altLang="en-US" sz="1500" dirty="0">
-                        <a:latin typeface="メイリオ" panose="020B0604030504040204" pitchFamily="50" charset="-128"/>
-                        <a:ea typeface="メイリオ" panose="020B0604030504040204" pitchFamily="50" charset="-128"/>
-                      </a:endParaRPr>
-                    </a:p>
-                  </a:txBody>
-                  <a:tcPr/>
-                </a:tc>
-                <a:tc>
-                  <a:txBody>
-                    <a:bodyPr/>
-                    <a:lstStyle/>
-                    <a:p>
-                      <a:pPr algn="ctr"/>
-                      <a:endParaRPr kumimoji="1" lang="ja-JP" altLang="en-US" dirty="0">
-                        <a:latin typeface="メイリオ" panose="020B0604030504040204" pitchFamily="50" charset="-128"/>
-                        <a:ea typeface="メイリオ" panose="020B0604030504040204" pitchFamily="50" charset="-128"/>
-                      </a:endParaRPr>
-                    </a:p>
-                  </a:txBody>
-                  <a:tcPr/>
-                </a:tc>
-                <a:tc>
-                  <a:txBody>
-                    <a:bodyPr/>
-                    <a:lstStyle/>
-                    <a:p>
-                      <a:pPr algn="ctr"/>
-                      <a:r>
-                        <a:rPr kumimoji="1" lang="en-US" altLang="ja-JP" sz="1500" dirty="0" err="1" smtClean="0">
-                          <a:latin typeface="メイリオ" panose="020B0604030504040204" pitchFamily="50" charset="-128"/>
-                          <a:ea typeface="メイリオ" panose="020B0604030504040204" pitchFamily="50" charset="-128"/>
-                        </a:rPr>
-                        <a:t>returnR</a:t>
-                      </a:r>
-                      <a:endParaRPr kumimoji="1" lang="ja-JP" altLang="en-US" sz="1500" dirty="0">
-                        <a:latin typeface="メイリオ" panose="020B0604030504040204" pitchFamily="50" charset="-128"/>
-                        <a:ea typeface="メイリオ" panose="020B0604030504040204" pitchFamily="50" charset="-128"/>
-                      </a:endParaRPr>
-                    </a:p>
-                  </a:txBody>
-                  <a:tcPr/>
-                </a:tc>
-                <a:tc>
-                  <a:txBody>
-                    <a:bodyPr/>
-                    <a:lstStyle/>
-                    <a:p>
-                      <a:pPr algn="ctr"/>
-                      <a:r>
-                        <a:rPr kumimoji="1" lang="ja-JP" altLang="en-US" dirty="0" smtClean="0">
-                          <a:latin typeface="メイリオ" panose="020B0604030504040204" pitchFamily="50" charset="-128"/>
-                          <a:ea typeface="メイリオ" panose="020B0604030504040204" pitchFamily="50" charset="-128"/>
-                        </a:rPr>
-                        <a:t>〇</a:t>
-                      </a:r>
-                      <a:endParaRPr kumimoji="1" lang="ja-JP" altLang="en-US" dirty="0">
-                        <a:latin typeface="メイリオ" panose="020B0604030504040204" pitchFamily="50" charset="-128"/>
-                        <a:ea typeface="メイリオ" panose="020B0604030504040204" pitchFamily="50" charset="-128"/>
-                      </a:endParaRPr>
-                    </a:p>
-                  </a:txBody>
-                  <a:tcPr/>
-                </a:tc>
-                <a:tc>
-                  <a:txBody>
-                    <a:bodyPr/>
-                    <a:lstStyle/>
-                    <a:p>
-                      <a:pPr algn="ctr"/>
-                      <a:r>
-                        <a:rPr kumimoji="1" lang="en-US" altLang="ja-JP" sz="1500" dirty="0" err="1" smtClean="0">
-                          <a:latin typeface="メイリオ" panose="020B0604030504040204" pitchFamily="50" charset="-128"/>
-                          <a:ea typeface="メイリオ" panose="020B0604030504040204" pitchFamily="50" charset="-128"/>
-                        </a:rPr>
-                        <a:t>Midium</a:t>
-                      </a:r>
-                      <a:endParaRPr kumimoji="1" lang="ja-JP" altLang="en-US" sz="1500" dirty="0">
-                        <a:latin typeface="メイリオ" panose="020B0604030504040204" pitchFamily="50" charset="-128"/>
-                        <a:ea typeface="メイリオ" panose="020B0604030504040204" pitchFamily="50" charset="-128"/>
-                      </a:endParaRPr>
-                    </a:p>
-                  </a:txBody>
-                  <a:tcPr/>
-                </a:tc>
-                <a:tc>
-                  <a:txBody>
-                    <a:bodyPr/>
-                    <a:lstStyle/>
-                    <a:p>
-                      <a:pPr algn="ctr"/>
-                      <a:endParaRPr kumimoji="1" lang="ja-JP" altLang="en-US" dirty="0">
-                        <a:latin typeface="メイリオ" panose="020B0604030504040204" pitchFamily="50" charset="-128"/>
-                        <a:ea typeface="メイリオ" panose="020B0604030504040204" pitchFamily="50" charset="-128"/>
-                      </a:endParaRPr>
-                    </a:p>
-                  </a:txBody>
-                  <a:tcPr/>
-                </a:tc>
-                <a:tc>
-                  <a:txBody>
-                    <a:bodyPr/>
-                    <a:lstStyle/>
-                    <a:p>
-                      <a:pPr algn="ctr"/>
-                      <a:r>
-                        <a:rPr kumimoji="1" lang="en-US" altLang="ja-JP" sz="1500" dirty="0" err="1" smtClean="0">
-                          <a:latin typeface="メイリオ" panose="020B0604030504040204" pitchFamily="50" charset="-128"/>
-                          <a:ea typeface="メイリオ" panose="020B0604030504040204" pitchFamily="50" charset="-128"/>
-                        </a:rPr>
-                        <a:t>Midum</a:t>
                       </a:r>
                       <a:endParaRPr kumimoji="1" lang="ja-JP" altLang="en-US" sz="1500" dirty="0">
                         <a:latin typeface="メイリオ" panose="020B0604030504040204" pitchFamily="50" charset="-128"/>
@@ -10592,7 +10615,7 @@
                           <a:latin typeface="メイリオ" panose="020B0604030504040204" pitchFamily="50" charset="-128"/>
                           <a:ea typeface="メイリオ" panose="020B0604030504040204" pitchFamily="50" charset="-128"/>
                         </a:rPr>
-                        <a:t>fizzBuzz</a:t>
+                        <a:t>returnR</a:t>
                       </a:r>
                       <a:endParaRPr kumimoji="1" lang="ja-JP" altLang="en-US" sz="1500" dirty="0">
                         <a:latin typeface="メイリオ" panose="020B0604030504040204" pitchFamily="50" charset="-128"/>
@@ -10627,7 +10650,7 @@
                           <a:latin typeface="メイリオ" panose="020B0604030504040204" pitchFamily="50" charset="-128"/>
                           <a:ea typeface="メイリオ" panose="020B0604030504040204" pitchFamily="50" charset="-128"/>
                         </a:rPr>
-                        <a:t>Midium</a:t>
+                        <a:t>returnR</a:t>
                       </a:r>
                       <a:endParaRPr kumimoji="1" lang="ja-JP" altLang="en-US" sz="1500" dirty="0">
                         <a:latin typeface="メイリオ" panose="020B0604030504040204" pitchFamily="50" charset="-128"/>
@@ -10669,7 +10692,7 @@
                           <a:latin typeface="メイリオ" panose="020B0604030504040204" pitchFamily="50" charset="-128"/>
                           <a:ea typeface="メイリオ" panose="020B0604030504040204" pitchFamily="50" charset="-128"/>
                         </a:rPr>
-                        <a:t>fizzBuzz</a:t>
+                        <a:t>returnR</a:t>
                       </a:r>
                       <a:endParaRPr kumimoji="1" lang="ja-JP" altLang="en-US" sz="1500" dirty="0">
                         <a:latin typeface="メイリオ" panose="020B0604030504040204" pitchFamily="50" charset="-128"/>
@@ -10746,7 +10769,7 @@
                           <a:latin typeface="メイリオ" panose="020B0604030504040204" pitchFamily="50" charset="-128"/>
                           <a:ea typeface="メイリオ" panose="020B0604030504040204" pitchFamily="50" charset="-128"/>
                         </a:rPr>
-                        <a:t>Midium</a:t>
+                        <a:t>returnR</a:t>
                       </a:r>
                       <a:endParaRPr kumimoji="1" lang="ja-JP" altLang="en-US" sz="1500" dirty="0">
                         <a:latin typeface="メイリオ" panose="020B0604030504040204" pitchFamily="50" charset="-128"/>
@@ -10823,7 +10846,7 @@
                           <a:latin typeface="メイリオ" panose="020B0604030504040204" pitchFamily="50" charset="-128"/>
                           <a:ea typeface="メイリオ" panose="020B0604030504040204" pitchFamily="50" charset="-128"/>
                         </a:rPr>
-                        <a:t>fizzBuzz</a:t>
+                        <a:t>returnR</a:t>
                       </a:r>
                       <a:endParaRPr kumimoji="1" lang="ja-JP" altLang="en-US" sz="1500" dirty="0">
                         <a:latin typeface="メイリオ" panose="020B0604030504040204" pitchFamily="50" charset="-128"/>
@@ -10865,7 +10888,7 @@
                           <a:latin typeface="メイリオ" panose="020B0604030504040204" pitchFamily="50" charset="-128"/>
                           <a:ea typeface="メイリオ" panose="020B0604030504040204" pitchFamily="50" charset="-128"/>
                         </a:rPr>
-                        <a:t>Midium</a:t>
+                        <a:t>returnR</a:t>
                       </a:r>
                       <a:endParaRPr kumimoji="1" lang="ja-JP" altLang="en-US" sz="1500" dirty="0">
                         <a:latin typeface="メイリオ" panose="020B0604030504040204" pitchFamily="50" charset="-128"/>
